--- a/Soutenance/PrésentationP8.pptx
+++ b/Soutenance/PrésentationP8.pptx
@@ -4676,15 +4676,7 @@
           <a:p>
             <a:r>
               <a:rPr lang="fr-CH" dirty="0"/>
-              <a:t>Chaque page possède des composants qui peuvent être réutilisés su différentes pages (comme la bannière de la Homepage et de la page à </a:t>
-            </a:r>
-            <a:r>
-              <a:rPr lang="fr-CH"/>
-              <a:t>propos)</a:t>
-            </a:r>
-            <a:r>
-              <a:rPr lang="fr-CH" u="sng" dirty="0"/>
-              <a:t>.</a:t>
+              <a:t>Chaque page possède des composants qui peuvent être réutilisés su différentes pages (comme la bannière de la Homepage et de la page à propos).</a:t>
             </a:r>
             <a:endParaRPr lang="fr-CH" i="0" dirty="0"/>
           </a:p>
@@ -4706,6 +4698,14 @@
 <file path=ppt/slides/slide12.xml><?xml version="1.0" encoding="utf-8"?>
 <p:sld xmlns:a="http://schemas.openxmlformats.org/drawingml/2006/main" xmlns:r="http://schemas.openxmlformats.org/officeDocument/2006/relationships" xmlns:p="http://schemas.openxmlformats.org/presentationml/2006/main">
   <p:cSld>
+    <p:bg>
+      <p:bgPr>
+        <a:solidFill>
+          <a:schemeClr val="bg1"/>
+        </a:solidFill>
+        <a:effectLst/>
+      </p:bgPr>
+    </p:bg>
     <p:spTree>
       <p:nvGrpSpPr>
         <p:cNvPr id="1" name="">
@@ -4824,54 +4824,111 @@
           <a:p>
             <a:r>
               <a:rPr lang="fr-CH" sz="2200" dirty="0"/>
-              <a:t>Le dossier page : </a:t>
+              <a:t>Les composants : </a:t>
             </a:r>
           </a:p>
           <a:p>
             <a:pPr lvl="1"/>
             <a:r>
               <a:rPr lang="fr-CH" sz="1800" i="0" dirty="0"/>
-              <a:t>Une page accueil</a:t>
-            </a:r>
-          </a:p>
-          <a:p>
-            <a:pPr lvl="1"/>
-            <a:r>
-              <a:rPr lang="fr-CH" sz="1800" i="0" dirty="0"/>
-              <a:t>Une page à propos </a:t>
-            </a:r>
-          </a:p>
-          <a:p>
-            <a:pPr lvl="1"/>
-            <a:r>
-              <a:rPr lang="fr-CH" sz="1800" i="0" dirty="0"/>
-              <a:t>Une page logement </a:t>
-            </a:r>
-          </a:p>
-          <a:p>
-            <a:pPr lvl="1"/>
-            <a:r>
-              <a:rPr lang="fr-CH" sz="1800" i="0" dirty="0"/>
-              <a:t>Une page erreur</a:t>
-            </a:r>
-          </a:p>
-          <a:p>
-            <a:pPr lvl="1"/>
-            <a:endParaRPr lang="fr-CH" sz="1800" i="0" dirty="0"/>
-          </a:p>
-          <a:p>
-            <a:r>
-              <a:rPr lang="fr-CH" sz="1800" dirty="0"/>
-              <a:t>Chaque page possède des composants qui peuvent être réutilisés su différentes pages (comme la bannière de la Homepage et de la page à propos)</a:t>
-            </a:r>
-            <a:endParaRPr lang="fr-CH" sz="1800" i="0" dirty="0"/>
-          </a:p>
-          <a:p>
-            <a:pPr lvl="1"/>
-            <a:endParaRPr lang="fr-CH" u="sng" dirty="0"/>
-          </a:p>
-          <a:p>
-            <a:endParaRPr lang="fr-FR" dirty="0"/>
+              <a:t>11 composants différents pour le site de Kasa</a:t>
+            </a:r>
+          </a:p>
+          <a:p>
+            <a:pPr lvl="2">
+              <a:buFont typeface="Arial" panose="020B0604020202020204" pitchFamily="34" charset="0"/>
+              <a:buChar char="•"/>
+            </a:pPr>
+            <a:r>
+              <a:rPr lang="fr-CH" sz="1600" dirty="0"/>
+              <a:t>Accueil : banner, </a:t>
+            </a:r>
+            <a:r>
+              <a:rPr lang="fr-CH" sz="1600" dirty="0" err="1"/>
+              <a:t>cards</a:t>
+            </a:r>
+            <a:r>
+              <a:rPr lang="fr-CH" sz="1600" dirty="0"/>
+              <a:t>.</a:t>
+            </a:r>
+          </a:p>
+          <a:p>
+            <a:pPr lvl="2">
+              <a:buFont typeface="Arial" panose="020B0604020202020204" pitchFamily="34" charset="0"/>
+              <a:buChar char="•"/>
+            </a:pPr>
+            <a:r>
+              <a:rPr lang="fr-CH" sz="1600" dirty="0"/>
+              <a:t>À propos : banner, </a:t>
+            </a:r>
+            <a:r>
+              <a:rPr lang="fr-CH" sz="1600" dirty="0" err="1"/>
+              <a:t>collapsible</a:t>
+            </a:r>
+            <a:r>
+              <a:rPr lang="fr-CH" sz="1600" dirty="0"/>
+              <a:t>.</a:t>
+            </a:r>
+          </a:p>
+          <a:p>
+            <a:pPr lvl="2">
+              <a:buFont typeface="Arial" panose="020B0604020202020204" pitchFamily="34" charset="0"/>
+              <a:buChar char="•"/>
+            </a:pPr>
+            <a:r>
+              <a:rPr lang="fr-CH" sz="1600" i="0" dirty="0"/>
+              <a:t>Logement : chargement, </a:t>
+            </a:r>
+            <a:r>
+              <a:rPr lang="fr-CH" sz="1600" i="0" dirty="0" err="1"/>
+              <a:t>error</a:t>
+            </a:r>
+            <a:r>
+              <a:rPr lang="fr-CH" sz="1600" i="0" dirty="0"/>
+              <a:t>, </a:t>
+            </a:r>
+            <a:r>
+              <a:rPr lang="fr-CH" sz="1600" i="0" dirty="0" err="1"/>
+              <a:t>caroussel</a:t>
+            </a:r>
+            <a:r>
+              <a:rPr lang="fr-CH" sz="1600" i="0" dirty="0"/>
+              <a:t>, host, tag, rate et </a:t>
+            </a:r>
+            <a:r>
+              <a:rPr lang="fr-CH" sz="1600" i="0" dirty="0" err="1"/>
+              <a:t>collapsible</a:t>
+            </a:r>
+            <a:r>
+              <a:rPr lang="fr-CH" sz="1600" i="0" dirty="0"/>
+              <a:t>.</a:t>
+            </a:r>
+            <a:endParaRPr lang="fr-CH" sz="1600" dirty="0"/>
+          </a:p>
+          <a:p>
+            <a:pPr lvl="2">
+              <a:buFont typeface="Arial" panose="020B0604020202020204" pitchFamily="34" charset="0"/>
+              <a:buChar char="•"/>
+            </a:pPr>
+            <a:r>
+              <a:rPr lang="fr-CH" sz="1600" dirty="0"/>
+              <a:t>Erreur : </a:t>
+            </a:r>
+            <a:r>
+              <a:rPr lang="fr-CH" sz="1600" dirty="0" err="1"/>
+              <a:t>error</a:t>
+            </a:r>
+            <a:r>
+              <a:rPr lang="fr-CH" sz="1600" dirty="0"/>
+              <a:t>.</a:t>
+            </a:r>
+          </a:p>
+          <a:p>
+            <a:pPr lvl="2">
+              <a:buFont typeface="Arial" panose="020B0604020202020204" pitchFamily="34" charset="0"/>
+              <a:buChar char="•"/>
+            </a:pPr>
+            <a:endParaRPr lang="fr-CH" sz="1600" dirty="0"/>
           </a:p>
         </p:txBody>
       </p:sp>

--- a/Soutenance/PrésentationP8.pptx
+++ b/Soutenance/PrésentationP8.pptx
@@ -5,7 +5,7 @@
     <p:sldMasterId id="2147483677" r:id="rId1"/>
   </p:sldMasterIdLst>
   <p:notesMasterIdLst>
-    <p:notesMasterId r:id="rId14"/>
+    <p:notesMasterId r:id="rId20"/>
   </p:notesMasterIdLst>
   <p:sldIdLst>
     <p:sldId id="256" r:id="rId2"/>
@@ -19,7 +19,13 @@
     <p:sldId id="292" r:id="rId10"/>
     <p:sldId id="296" r:id="rId11"/>
     <p:sldId id="294" r:id="rId12"/>
-    <p:sldId id="295" r:id="rId13"/>
+    <p:sldId id="297" r:id="rId13"/>
+    <p:sldId id="298" r:id="rId14"/>
+    <p:sldId id="299" r:id="rId15"/>
+    <p:sldId id="295" r:id="rId16"/>
+    <p:sldId id="301" r:id="rId17"/>
+    <p:sldId id="302" r:id="rId18"/>
+    <p:sldId id="303" r:id="rId19"/>
   </p:sldIdLst>
   <p:sldSz cx="12192000" cy="6858000"/>
   <p:notesSz cx="6858000" cy="9144000"/>
@@ -208,7 +214,7 @@
           <a:p>
             <a:fld id="{0D49AA7D-7591-FC4C-BD95-420ECF8DA599}" type="datetimeFigureOut">
               <a:rPr lang="fr-FR" smtClean="0"/>
-              <a:t>10/09/2024</a:t>
+              <a:t>12/09/2024</a:t>
             </a:fld>
             <a:endParaRPr lang="fr-FR"/>
           </a:p>
@@ -644,7 +650,7 @@
           <a:p>
             <a:fld id="{E271F846-9E2B-A943-A667-4C0FED0FE436}" type="datetimeFigureOut">
               <a:rPr lang="fr-FR" smtClean="0"/>
-              <a:t>10/09/2024</a:t>
+              <a:t>12/09/2024</a:t>
             </a:fld>
             <a:endParaRPr lang="fr-FR"/>
           </a:p>
@@ -974,7 +980,7 @@
           <a:p>
             <a:fld id="{E271F846-9E2B-A943-A667-4C0FED0FE436}" type="datetimeFigureOut">
               <a:rPr lang="fr-FR" smtClean="0"/>
-              <a:t>10/09/2024</a:t>
+              <a:t>12/09/2024</a:t>
             </a:fld>
             <a:endParaRPr lang="fr-FR"/>
           </a:p>
@@ -1154,7 +1160,7 @@
           <a:p>
             <a:fld id="{E271F846-9E2B-A943-A667-4C0FED0FE436}" type="datetimeFigureOut">
               <a:rPr lang="fr-FR" smtClean="0"/>
-              <a:t>10/09/2024</a:t>
+              <a:t>12/09/2024</a:t>
             </a:fld>
             <a:endParaRPr lang="fr-FR"/>
           </a:p>
@@ -1324,7 +1330,7 @@
           <a:p>
             <a:fld id="{E271F846-9E2B-A943-A667-4C0FED0FE436}" type="datetimeFigureOut">
               <a:rPr lang="fr-FR" smtClean="0"/>
-              <a:t>10/09/2024</a:t>
+              <a:t>12/09/2024</a:t>
             </a:fld>
             <a:endParaRPr lang="fr-FR"/>
           </a:p>
@@ -1601,7 +1607,7 @@
           <a:p>
             <a:fld id="{E271F846-9E2B-A943-A667-4C0FED0FE436}" type="datetimeFigureOut">
               <a:rPr lang="fr-FR" smtClean="0"/>
-              <a:t>10/09/2024</a:t>
+              <a:t>12/09/2024</a:t>
             </a:fld>
             <a:endParaRPr lang="fr-FR"/>
           </a:p>
@@ -1995,7 +2001,7 @@
           <a:p>
             <a:fld id="{E271F846-9E2B-A943-A667-4C0FED0FE436}" type="datetimeFigureOut">
               <a:rPr lang="fr-FR" smtClean="0"/>
-              <a:t>10/09/2024</a:t>
+              <a:t>12/09/2024</a:t>
             </a:fld>
             <a:endParaRPr lang="fr-FR"/>
           </a:p>
@@ -2472,7 +2478,7 @@
           <a:p>
             <a:fld id="{E271F846-9E2B-A943-A667-4C0FED0FE436}" type="datetimeFigureOut">
               <a:rPr lang="fr-FR" smtClean="0"/>
-              <a:t>10/09/2024</a:t>
+              <a:t>12/09/2024</a:t>
             </a:fld>
             <a:endParaRPr lang="fr-FR"/>
           </a:p>
@@ -2590,7 +2596,7 @@
           <a:p>
             <a:fld id="{E271F846-9E2B-A943-A667-4C0FED0FE436}" type="datetimeFigureOut">
               <a:rPr lang="fr-FR" smtClean="0"/>
-              <a:t>10/09/2024</a:t>
+              <a:t>12/09/2024</a:t>
             </a:fld>
             <a:endParaRPr lang="fr-FR"/>
           </a:p>
@@ -2685,7 +2691,7 @@
           <a:p>
             <a:fld id="{E271F846-9E2B-A943-A667-4C0FED0FE436}" type="datetimeFigureOut">
               <a:rPr lang="fr-FR" smtClean="0"/>
-              <a:t>10/09/2024</a:t>
+              <a:t>12/09/2024</a:t>
             </a:fld>
             <a:endParaRPr lang="fr-FR"/>
           </a:p>
@@ -3031,7 +3037,7 @@
           <a:p>
             <a:fld id="{E271F846-9E2B-A943-A667-4C0FED0FE436}" type="datetimeFigureOut">
               <a:rPr lang="fr-FR" smtClean="0"/>
-              <a:t>10/09/2024</a:t>
+              <a:t>12/09/2024</a:t>
             </a:fld>
             <a:endParaRPr lang="fr-FR"/>
           </a:p>
@@ -3419,7 +3425,7 @@
           <a:p>
             <a:fld id="{E271F846-9E2B-A943-A667-4C0FED0FE436}" type="datetimeFigureOut">
               <a:rPr lang="fr-FR" smtClean="0"/>
-              <a:t>10/09/2024</a:t>
+              <a:t>12/09/2024</a:t>
             </a:fld>
             <a:endParaRPr lang="fr-FR"/>
           </a:p>
@@ -3697,7 +3703,7 @@
           <a:p>
             <a:fld id="{E271F846-9E2B-A943-A667-4C0FED0FE436}" type="datetimeFigureOut">
               <a:rPr lang="fr-FR" smtClean="0"/>
-              <a:t>10/09/2024</a:t>
+              <a:t>12/09/2024</a:t>
             </a:fld>
             <a:endParaRPr lang="fr-FR"/>
           </a:p>
@@ -4711,6 +4717,744 @@
         <p:cNvPr id="1" name="">
           <a:extLst>
             <a:ext uri="{FF2B5EF4-FFF2-40B4-BE49-F238E27FC236}">
+              <a16:creationId xmlns:a16="http://schemas.microsoft.com/office/drawing/2014/main" id="{1DFE3F41-EAD4-4746-1C63-D15CEFF78815}"/>
+            </a:ext>
+          </a:extLst>
+        </p:cNvPr>
+        <p:cNvGrpSpPr/>
+        <p:nvPr/>
+      </p:nvGrpSpPr>
+      <p:grpSpPr>
+        <a:xfrm>
+          <a:off x="0" y="0"/>
+          <a:ext cx="0" cy="0"/>
+          <a:chOff x="0" y="0"/>
+          <a:chExt cx="0" cy="0"/>
+        </a:xfrm>
+      </p:grpSpPr>
+      <p:sp>
+        <p:nvSpPr>
+          <p:cNvPr id="2" name="Titre 1">
+            <a:extLst>
+              <a:ext uri="{FF2B5EF4-FFF2-40B4-BE49-F238E27FC236}">
+                <a16:creationId xmlns:a16="http://schemas.microsoft.com/office/drawing/2014/main" id="{068B61F8-4DCA-6434-172B-A3E7ED83E217}"/>
+              </a:ext>
+            </a:extLst>
+          </p:cNvPr>
+          <p:cNvSpPr>
+            <a:spLocks noGrp="1"/>
+          </p:cNvSpPr>
+          <p:nvPr>
+            <p:ph type="title"/>
+          </p:nvPr>
+        </p:nvSpPr>
+        <p:spPr>
+          <a:xfrm>
+            <a:off x="1285240" y="650489"/>
+            <a:ext cx="10261587" cy="1618489"/>
+          </a:xfrm>
+        </p:spPr>
+        <p:txBody>
+          <a:bodyPr anchor="ctr">
+            <a:normAutofit/>
+          </a:bodyPr>
+          <a:lstStyle/>
+          <a:p>
+            <a:r>
+              <a:rPr lang="fr-FR" sz="4800" u="sng" dirty="0">
+                <a:solidFill>
+                  <a:srgbClr val="FF6060"/>
+                </a:solidFill>
+              </a:rPr>
+              <a:t>III. Présentation de mon code</a:t>
+            </a:r>
+          </a:p>
+        </p:txBody>
+      </p:sp>
+      <p:pic>
+        <p:nvPicPr>
+          <p:cNvPr id="3" name="Image 2">
+            <a:extLst>
+              <a:ext uri="{FF2B5EF4-FFF2-40B4-BE49-F238E27FC236}">
+                <a16:creationId xmlns:a16="http://schemas.microsoft.com/office/drawing/2014/main" id="{42A85E05-AA09-20FB-51F9-ACA5FE8B018C}"/>
+              </a:ext>
+            </a:extLst>
+          </p:cNvPr>
+          <p:cNvPicPr>
+            <a:picLocks noChangeAspect="1"/>
+          </p:cNvPicPr>
+          <p:nvPr/>
+        </p:nvPicPr>
+        <p:blipFill>
+          <a:blip r:embed="rId2"/>
+          <a:srcRect/>
+          <a:stretch/>
+        </p:blipFill>
+        <p:spPr>
+          <a:xfrm>
+            <a:off x="10125486" y="45927"/>
+            <a:ext cx="2066514" cy="802087"/>
+          </a:xfrm>
+          <a:prstGeom prst="rect">
+            <a:avLst/>
+          </a:prstGeom>
+        </p:spPr>
+      </p:pic>
+      <p:sp useBgFill="1">
+        <p:nvSpPr>
+          <p:cNvPr id="7" name="Espace réservé du contenu 2">
+            <a:extLst>
+              <a:ext uri="{FF2B5EF4-FFF2-40B4-BE49-F238E27FC236}">
+                <a16:creationId xmlns:a16="http://schemas.microsoft.com/office/drawing/2014/main" id="{1B76E630-185A-EE70-C106-04FC30DBFC9B}"/>
+              </a:ext>
+            </a:extLst>
+          </p:cNvPr>
+          <p:cNvSpPr>
+            <a:spLocks noGrp="1"/>
+          </p:cNvSpPr>
+          <p:nvPr>
+            <p:ph idx="1"/>
+          </p:nvPr>
+        </p:nvSpPr>
+        <p:spPr>
+          <a:xfrm>
+            <a:off x="1371600" y="2285999"/>
+            <a:ext cx="9601200" cy="4526073"/>
+          </a:xfrm>
+        </p:spPr>
+        <p:txBody>
+          <a:bodyPr>
+            <a:normAutofit/>
+          </a:bodyPr>
+          <a:lstStyle/>
+          <a:p>
+            <a:r>
+              <a:rPr lang="fr-CH" u="sng" dirty="0"/>
+              <a:t>Page Accueil : </a:t>
+            </a:r>
+          </a:p>
+          <a:p>
+            <a:pPr lvl="1"/>
+            <a:r>
+              <a:rPr lang="fr-CH" sz="1800" i="0" dirty="0"/>
+              <a:t>UseState = un hook react qui gère</a:t>
+            </a:r>
+            <a:r>
+              <a:rPr lang="fr-CH" sz="1800" b="0" i="0" strike="noStrike" dirty="0">
+                <a:solidFill>
+                  <a:srgbClr val="000000"/>
+                </a:solidFill>
+                <a:effectLst/>
+              </a:rPr>
+              <a:t> l'état d'un composant. Cela permet à des variables de changer de valeurs au cours du temps.</a:t>
+            </a:r>
+            <a:endParaRPr lang="fr-CH" sz="1800" i="0" dirty="0"/>
+          </a:p>
+          <a:p>
+            <a:pPr marL="0" indent="0">
+              <a:buNone/>
+            </a:pPr>
+            <a:endParaRPr lang="fr-CH" u="sng" dirty="0"/>
+          </a:p>
+          <a:p>
+            <a:pPr lvl="1"/>
+            <a:r>
+              <a:rPr lang="fr-CH" sz="1800" i="0" dirty="0"/>
+              <a:t>UseEffect = Hook react qui permet d’exécuter </a:t>
+            </a:r>
+            <a:r>
+              <a:rPr lang="fr-CH" sz="1800" b="0" i="0" u="none" strike="noStrike" dirty="0">
+                <a:solidFill>
+                  <a:srgbClr val="000000"/>
+                </a:solidFill>
+                <a:effectLst/>
+              </a:rPr>
+              <a:t>du code à des moments spécifiques dans le cycle de vie d'un composant.</a:t>
+            </a:r>
+          </a:p>
+          <a:p>
+            <a:pPr lvl="2">
+              <a:buFont typeface="Arial" panose="020B0604020202020204" pitchFamily="34" charset="0"/>
+              <a:buChar char="•"/>
+            </a:pPr>
+            <a:r>
+              <a:rPr lang="fr-CH" sz="1600" dirty="0">
+                <a:solidFill>
+                  <a:srgbClr val="000000"/>
+                </a:solidFill>
+              </a:rPr>
+              <a:t>Cela va nous permettre d’effectuer un fetch après le rendu</a:t>
+            </a:r>
+          </a:p>
+          <a:p>
+            <a:pPr lvl="2">
+              <a:buFont typeface="Arial" panose="020B0604020202020204" pitchFamily="34" charset="0"/>
+              <a:buChar char="•"/>
+            </a:pPr>
+            <a:r>
+              <a:rPr lang="fr-CH" sz="1600" dirty="0">
+                <a:solidFill>
+                  <a:srgbClr val="000000"/>
+                </a:solidFill>
+              </a:rPr>
+              <a:t>La dépendance [ ] est vide, cela signifie que l’on va l’exécuter qu’une seule fois. </a:t>
+            </a:r>
+          </a:p>
+          <a:p>
+            <a:pPr lvl="2">
+              <a:buFont typeface="Arial" panose="020B0604020202020204" pitchFamily="34" charset="0"/>
+              <a:buChar char="•"/>
+            </a:pPr>
+            <a:endParaRPr lang="fr-CH" dirty="0">
+              <a:solidFill>
+                <a:srgbClr val="000000"/>
+              </a:solidFill>
+            </a:endParaRPr>
+          </a:p>
+          <a:p>
+            <a:pPr lvl="1"/>
+            <a:r>
+              <a:rPr lang="fr-CH" sz="1800" i="0" dirty="0">
+                <a:solidFill>
+                  <a:srgbClr val="000000"/>
+                </a:solidFill>
+              </a:rPr>
+              <a:t>Bannière avec un titre et une image</a:t>
+            </a:r>
+          </a:p>
+          <a:p>
+            <a:pPr lvl="1"/>
+            <a:r>
+              <a:rPr lang="fr-CH" sz="1800" i="0" dirty="0">
+                <a:solidFill>
+                  <a:srgbClr val="000000"/>
+                </a:solidFill>
+              </a:rPr>
+              <a:t>On va utiliser la méthode Map pour afficher pour les logements présents dans le fichier « logement.json » ou on voit chercher les informations id, cover et </a:t>
+            </a:r>
+            <a:r>
+              <a:rPr lang="fr-CH" sz="1800" i="0" dirty="0" err="1">
+                <a:solidFill>
+                  <a:srgbClr val="000000"/>
+                </a:solidFill>
+              </a:rPr>
+              <a:t>title</a:t>
+            </a:r>
+            <a:r>
+              <a:rPr lang="fr-CH" sz="1800" i="0" dirty="0">
+                <a:solidFill>
+                  <a:srgbClr val="000000"/>
+                </a:solidFill>
+              </a:rPr>
+              <a:t> de chaque logement. </a:t>
+            </a:r>
+          </a:p>
+        </p:txBody>
+      </p:sp>
+    </p:spTree>
+    <p:extLst>
+      <p:ext uri="{BB962C8B-B14F-4D97-AF65-F5344CB8AC3E}">
+        <p14:creationId xmlns:p14="http://schemas.microsoft.com/office/powerpoint/2010/main" val="747088682"/>
+      </p:ext>
+    </p:extLst>
+  </p:cSld>
+  <p:clrMapOvr>
+    <a:masterClrMapping/>
+  </p:clrMapOvr>
+</p:sld>
+</file>
+
+<file path=ppt/slides/slide13.xml><?xml version="1.0" encoding="utf-8"?>
+<p:sld xmlns:a="http://schemas.openxmlformats.org/drawingml/2006/main" xmlns:r="http://schemas.openxmlformats.org/officeDocument/2006/relationships" xmlns:p="http://schemas.openxmlformats.org/presentationml/2006/main">
+  <p:cSld>
+    <p:bg>
+      <p:bgPr>
+        <a:solidFill>
+          <a:schemeClr val="bg1"/>
+        </a:solidFill>
+        <a:effectLst/>
+      </p:bgPr>
+    </p:bg>
+    <p:spTree>
+      <p:nvGrpSpPr>
+        <p:cNvPr id="1" name="">
+          <a:extLst>
+            <a:ext uri="{FF2B5EF4-FFF2-40B4-BE49-F238E27FC236}">
+              <a16:creationId xmlns:a16="http://schemas.microsoft.com/office/drawing/2014/main" id="{C2FBFB6B-5AA2-7F55-C073-557BB71CE546}"/>
+            </a:ext>
+          </a:extLst>
+        </p:cNvPr>
+        <p:cNvGrpSpPr/>
+        <p:nvPr/>
+      </p:nvGrpSpPr>
+      <p:grpSpPr>
+        <a:xfrm>
+          <a:off x="0" y="0"/>
+          <a:ext cx="0" cy="0"/>
+          <a:chOff x="0" y="0"/>
+          <a:chExt cx="0" cy="0"/>
+        </a:xfrm>
+      </p:grpSpPr>
+      <p:sp>
+        <p:nvSpPr>
+          <p:cNvPr id="2" name="Titre 1">
+            <a:extLst>
+              <a:ext uri="{FF2B5EF4-FFF2-40B4-BE49-F238E27FC236}">
+                <a16:creationId xmlns:a16="http://schemas.microsoft.com/office/drawing/2014/main" id="{CD4B034B-9849-4D4C-813F-4A8CAA3F4739}"/>
+              </a:ext>
+            </a:extLst>
+          </p:cNvPr>
+          <p:cNvSpPr>
+            <a:spLocks noGrp="1"/>
+          </p:cNvSpPr>
+          <p:nvPr>
+            <p:ph type="title"/>
+          </p:nvPr>
+        </p:nvSpPr>
+        <p:spPr>
+          <a:xfrm>
+            <a:off x="1285240" y="650489"/>
+            <a:ext cx="10261587" cy="1618489"/>
+          </a:xfrm>
+        </p:spPr>
+        <p:txBody>
+          <a:bodyPr anchor="ctr">
+            <a:normAutofit/>
+          </a:bodyPr>
+          <a:lstStyle/>
+          <a:p>
+            <a:r>
+              <a:rPr lang="fr-FR" sz="4800" u="sng" dirty="0">
+                <a:solidFill>
+                  <a:srgbClr val="FF6060"/>
+                </a:solidFill>
+              </a:rPr>
+              <a:t>III. Présentation de mon code</a:t>
+            </a:r>
+          </a:p>
+        </p:txBody>
+      </p:sp>
+      <p:pic>
+        <p:nvPicPr>
+          <p:cNvPr id="3" name="Image 2">
+            <a:extLst>
+              <a:ext uri="{FF2B5EF4-FFF2-40B4-BE49-F238E27FC236}">
+                <a16:creationId xmlns:a16="http://schemas.microsoft.com/office/drawing/2014/main" id="{AF3E7E29-BEF7-C0DC-3E12-F67BE507138D}"/>
+              </a:ext>
+            </a:extLst>
+          </p:cNvPr>
+          <p:cNvPicPr>
+            <a:picLocks noChangeAspect="1"/>
+          </p:cNvPicPr>
+          <p:nvPr/>
+        </p:nvPicPr>
+        <p:blipFill>
+          <a:blip r:embed="rId2"/>
+          <a:srcRect/>
+          <a:stretch/>
+        </p:blipFill>
+        <p:spPr>
+          <a:xfrm>
+            <a:off x="10125486" y="45927"/>
+            <a:ext cx="2066514" cy="802087"/>
+          </a:xfrm>
+          <a:prstGeom prst="rect">
+            <a:avLst/>
+          </a:prstGeom>
+        </p:spPr>
+      </p:pic>
+      <p:sp useBgFill="1">
+        <p:nvSpPr>
+          <p:cNvPr id="7" name="Espace réservé du contenu 2">
+            <a:extLst>
+              <a:ext uri="{FF2B5EF4-FFF2-40B4-BE49-F238E27FC236}">
+                <a16:creationId xmlns:a16="http://schemas.microsoft.com/office/drawing/2014/main" id="{BCB3C35E-1CB3-630B-E8D1-1E6A7A787F25}"/>
+              </a:ext>
+            </a:extLst>
+          </p:cNvPr>
+          <p:cNvSpPr>
+            <a:spLocks noGrp="1"/>
+          </p:cNvSpPr>
+          <p:nvPr>
+            <p:ph idx="1"/>
+          </p:nvPr>
+        </p:nvSpPr>
+        <p:spPr>
+          <a:xfrm>
+            <a:off x="1371600" y="2285999"/>
+            <a:ext cx="9601200" cy="4526073"/>
+          </a:xfrm>
+        </p:spPr>
+        <p:txBody>
+          <a:bodyPr>
+            <a:normAutofit/>
+          </a:bodyPr>
+          <a:lstStyle/>
+          <a:p>
+            <a:r>
+              <a:rPr lang="fr-CH" u="sng" dirty="0"/>
+              <a:t>Page à propos : </a:t>
+            </a:r>
+          </a:p>
+          <a:p>
+            <a:pPr lvl="1"/>
+            <a:r>
+              <a:rPr lang="fr-CH" sz="1800" i="0" dirty="0"/>
+              <a:t>Import de 2 composants : bannière et collapsible </a:t>
+            </a:r>
+          </a:p>
+          <a:p>
+            <a:pPr lvl="1"/>
+            <a:r>
+              <a:rPr lang="fr-CH" sz="1800" i="0" dirty="0">
+                <a:solidFill>
+                  <a:srgbClr val="000000"/>
+                </a:solidFill>
+              </a:rPr>
+              <a:t>Ajout de l’image pour le composant banner </a:t>
+            </a:r>
+          </a:p>
+          <a:p>
+            <a:pPr lvl="1"/>
+            <a:r>
+              <a:rPr lang="fr-CH" sz="1800" i="0" dirty="0">
+                <a:solidFill>
+                  <a:srgbClr val="000000"/>
+                </a:solidFill>
+              </a:rPr>
+              <a:t>Ajout des labels et du texte pour les </a:t>
+            </a:r>
+            <a:r>
+              <a:rPr lang="fr-CH" sz="1800" i="0" dirty="0" err="1">
+                <a:solidFill>
+                  <a:srgbClr val="000000"/>
+                </a:solidFill>
+              </a:rPr>
+              <a:t>collapsible</a:t>
+            </a:r>
+            <a:endParaRPr lang="fr-CH" sz="1800" i="0" dirty="0">
+              <a:solidFill>
+                <a:srgbClr val="000000"/>
+              </a:solidFill>
+            </a:endParaRPr>
+          </a:p>
+          <a:p>
+            <a:pPr marL="530352" lvl="1" indent="0">
+              <a:buNone/>
+            </a:pPr>
+            <a:endParaRPr lang="fr-CH" sz="1800" i="0" dirty="0">
+              <a:solidFill>
+                <a:srgbClr val="000000"/>
+              </a:solidFill>
+            </a:endParaRPr>
+          </a:p>
+          <a:p>
+            <a:r>
+              <a:rPr lang="fr-CH" u="sng" dirty="0"/>
+              <a:t>Page erreur: </a:t>
+            </a:r>
+          </a:p>
+          <a:p>
+            <a:pPr lvl="1"/>
+            <a:r>
+              <a:rPr lang="fr-CH" sz="1800" i="0" dirty="0"/>
+              <a:t>Import d’un composant : </a:t>
+            </a:r>
+            <a:r>
+              <a:rPr lang="fr-CH" sz="1800" i="0" dirty="0" err="1"/>
+              <a:t>error</a:t>
+            </a:r>
+            <a:endParaRPr lang="fr-CH" sz="1800" i="0" dirty="0">
+              <a:solidFill>
+                <a:srgbClr val="000000"/>
+              </a:solidFill>
+            </a:endParaRPr>
+          </a:p>
+        </p:txBody>
+      </p:sp>
+    </p:spTree>
+    <p:extLst>
+      <p:ext uri="{BB962C8B-B14F-4D97-AF65-F5344CB8AC3E}">
+        <p14:creationId xmlns:p14="http://schemas.microsoft.com/office/powerpoint/2010/main" val="1331623576"/>
+      </p:ext>
+    </p:extLst>
+  </p:cSld>
+  <p:clrMapOvr>
+    <a:masterClrMapping/>
+  </p:clrMapOvr>
+</p:sld>
+</file>
+
+<file path=ppt/slides/slide14.xml><?xml version="1.0" encoding="utf-8"?>
+<p:sld xmlns:a="http://schemas.openxmlformats.org/drawingml/2006/main" xmlns:r="http://schemas.openxmlformats.org/officeDocument/2006/relationships" xmlns:p="http://schemas.openxmlformats.org/presentationml/2006/main">
+  <p:cSld>
+    <p:bg>
+      <p:bgPr>
+        <a:solidFill>
+          <a:schemeClr val="bg1"/>
+        </a:solidFill>
+        <a:effectLst/>
+      </p:bgPr>
+    </p:bg>
+    <p:spTree>
+      <p:nvGrpSpPr>
+        <p:cNvPr id="1" name="">
+          <a:extLst>
+            <a:ext uri="{FF2B5EF4-FFF2-40B4-BE49-F238E27FC236}">
+              <a16:creationId xmlns:a16="http://schemas.microsoft.com/office/drawing/2014/main" id="{8A3D47DB-5553-3AD1-14B2-FA0FC33CC0BD}"/>
+            </a:ext>
+          </a:extLst>
+        </p:cNvPr>
+        <p:cNvGrpSpPr/>
+        <p:nvPr/>
+      </p:nvGrpSpPr>
+      <p:grpSpPr>
+        <a:xfrm>
+          <a:off x="0" y="0"/>
+          <a:ext cx="0" cy="0"/>
+          <a:chOff x="0" y="0"/>
+          <a:chExt cx="0" cy="0"/>
+        </a:xfrm>
+      </p:grpSpPr>
+      <p:sp>
+        <p:nvSpPr>
+          <p:cNvPr id="2" name="Titre 1">
+            <a:extLst>
+              <a:ext uri="{FF2B5EF4-FFF2-40B4-BE49-F238E27FC236}">
+                <a16:creationId xmlns:a16="http://schemas.microsoft.com/office/drawing/2014/main" id="{EC402961-6069-D6B6-842C-ECC62B755D63}"/>
+              </a:ext>
+            </a:extLst>
+          </p:cNvPr>
+          <p:cNvSpPr>
+            <a:spLocks noGrp="1"/>
+          </p:cNvSpPr>
+          <p:nvPr>
+            <p:ph type="title"/>
+          </p:nvPr>
+        </p:nvSpPr>
+        <p:spPr>
+          <a:xfrm>
+            <a:off x="1285240" y="650489"/>
+            <a:ext cx="10261587" cy="1618489"/>
+          </a:xfrm>
+        </p:spPr>
+        <p:txBody>
+          <a:bodyPr anchor="ctr">
+            <a:normAutofit/>
+          </a:bodyPr>
+          <a:lstStyle/>
+          <a:p>
+            <a:r>
+              <a:rPr lang="fr-FR" sz="4800" u="sng" dirty="0">
+                <a:solidFill>
+                  <a:srgbClr val="FF6060"/>
+                </a:solidFill>
+              </a:rPr>
+              <a:t>III. Présentation de mon code</a:t>
+            </a:r>
+          </a:p>
+        </p:txBody>
+      </p:sp>
+      <p:pic>
+        <p:nvPicPr>
+          <p:cNvPr id="3" name="Image 2">
+            <a:extLst>
+              <a:ext uri="{FF2B5EF4-FFF2-40B4-BE49-F238E27FC236}">
+                <a16:creationId xmlns:a16="http://schemas.microsoft.com/office/drawing/2014/main" id="{5A22DB06-C0A3-BCA5-1EDC-1ACCC20C46A3}"/>
+              </a:ext>
+            </a:extLst>
+          </p:cNvPr>
+          <p:cNvPicPr>
+            <a:picLocks noChangeAspect="1"/>
+          </p:cNvPicPr>
+          <p:nvPr/>
+        </p:nvPicPr>
+        <p:blipFill>
+          <a:blip r:embed="rId2"/>
+          <a:srcRect/>
+          <a:stretch/>
+        </p:blipFill>
+        <p:spPr>
+          <a:xfrm>
+            <a:off x="10125486" y="45927"/>
+            <a:ext cx="2066514" cy="802087"/>
+          </a:xfrm>
+          <a:prstGeom prst="rect">
+            <a:avLst/>
+          </a:prstGeom>
+        </p:spPr>
+      </p:pic>
+      <p:sp useBgFill="1">
+        <p:nvSpPr>
+          <p:cNvPr id="7" name="Espace réservé du contenu 2">
+            <a:extLst>
+              <a:ext uri="{FF2B5EF4-FFF2-40B4-BE49-F238E27FC236}">
+                <a16:creationId xmlns:a16="http://schemas.microsoft.com/office/drawing/2014/main" id="{9B19F84C-5B8F-2EE5-72EC-706D116797BC}"/>
+              </a:ext>
+            </a:extLst>
+          </p:cNvPr>
+          <p:cNvSpPr>
+            <a:spLocks noGrp="1"/>
+          </p:cNvSpPr>
+          <p:nvPr>
+            <p:ph idx="1"/>
+          </p:nvPr>
+        </p:nvSpPr>
+        <p:spPr>
+          <a:xfrm>
+            <a:off x="1371600" y="2285999"/>
+            <a:ext cx="9601200" cy="4526073"/>
+          </a:xfrm>
+        </p:spPr>
+        <p:txBody>
+          <a:bodyPr>
+            <a:normAutofit/>
+          </a:bodyPr>
+          <a:lstStyle/>
+          <a:p>
+            <a:r>
+              <a:rPr lang="fr-CH" u="sng" dirty="0"/>
+              <a:t>Page logement: </a:t>
+            </a:r>
+          </a:p>
+          <a:p>
+            <a:pPr lvl="1"/>
+            <a:r>
+              <a:rPr lang="fr-CH" sz="1800" i="0" dirty="0"/>
+              <a:t>On va utiliser des Hook UseState qui vont nous permettre de </a:t>
+            </a:r>
+            <a:r>
+              <a:rPr lang="fr-CH" sz="1800" b="0" i="0" strike="noStrike" dirty="0">
+                <a:solidFill>
+                  <a:srgbClr val="000000"/>
+                </a:solidFill>
+                <a:effectLst/>
+              </a:rPr>
+              <a:t>gérer l'état d'un composant. Cela va nous permettre à des variables de changer de valeurs au cours du temps.</a:t>
+            </a:r>
+            <a:endParaRPr lang="fr-CH" sz="1800" i="0" dirty="0"/>
+          </a:p>
+          <a:p>
+            <a:pPr lvl="1"/>
+            <a:r>
+              <a:rPr lang="fr-CH" sz="1800" i="0" dirty="0"/>
+              <a:t>On prend un UseEffect et on fetch le fichier logement.json </a:t>
+            </a:r>
+          </a:p>
+          <a:p>
+            <a:pPr lvl="2"/>
+            <a:r>
+              <a:rPr lang="fr-CH" sz="1600" i="0" dirty="0"/>
+              <a:t>On met un temps de chargement de 2 secondes</a:t>
+            </a:r>
+          </a:p>
+          <a:p>
+            <a:pPr lvl="2"/>
+            <a:r>
+              <a:rPr lang="fr-CH" sz="1600" dirty="0">
+                <a:solidFill>
+                  <a:srgbClr val="000000"/>
+                </a:solidFill>
+              </a:rPr>
+              <a:t>On  va chercher le bon logement avec son ID. Si il existe on le display </a:t>
+            </a:r>
+          </a:p>
+          <a:p>
+            <a:pPr lvl="2"/>
+            <a:r>
+              <a:rPr lang="fr-CH" sz="1600" i="0" dirty="0">
+                <a:solidFill>
+                  <a:srgbClr val="000000"/>
+                </a:solidFill>
+              </a:rPr>
+              <a:t>Si </a:t>
+            </a:r>
+            <a:r>
+              <a:rPr lang="fr-CH" sz="1600" dirty="0">
+                <a:solidFill>
+                  <a:srgbClr val="000000"/>
+                </a:solidFill>
+              </a:rPr>
+              <a:t>on ne le trouve pas, on retourne le contenu de la page 404.</a:t>
+            </a:r>
+            <a:endParaRPr lang="fr-CH" sz="1800" dirty="0">
+              <a:solidFill>
+                <a:srgbClr val="000000"/>
+              </a:solidFill>
+            </a:endParaRPr>
+          </a:p>
+          <a:p>
+            <a:pPr lvl="1"/>
+            <a:r>
+              <a:rPr lang="fr-CH" sz="1800" dirty="0">
+                <a:solidFill>
+                  <a:srgbClr val="000000"/>
+                </a:solidFill>
+              </a:rPr>
+              <a:t>On ajoute les photos du logement dans le composant carrousel</a:t>
+            </a:r>
+          </a:p>
+          <a:p>
+            <a:pPr lvl="1"/>
+            <a:r>
+              <a:rPr lang="fr-CH" sz="1800" dirty="0">
+                <a:solidFill>
+                  <a:srgbClr val="000000"/>
+                </a:solidFill>
+              </a:rPr>
+              <a:t>On récupère les informations du logement pour les composants Tag, host, rate et collapse.</a:t>
+            </a:r>
+          </a:p>
+          <a:p>
+            <a:pPr lvl="1"/>
+            <a:r>
+              <a:rPr lang="fr-CH" sz="1800" dirty="0">
+                <a:solidFill>
+                  <a:srgbClr val="000000"/>
+                </a:solidFill>
+              </a:rPr>
+              <a:t>On utilise la méthode Map pour les tags et les équipements du logement.</a:t>
+            </a:r>
+          </a:p>
+          <a:p>
+            <a:pPr lvl="1"/>
+            <a:endParaRPr lang="fr-CH" sz="1800" dirty="0">
+              <a:solidFill>
+                <a:srgbClr val="000000"/>
+              </a:solidFill>
+            </a:endParaRPr>
+          </a:p>
+        </p:txBody>
+      </p:sp>
+    </p:spTree>
+    <p:extLst>
+      <p:ext uri="{BB962C8B-B14F-4D97-AF65-F5344CB8AC3E}">
+        <p14:creationId xmlns:p14="http://schemas.microsoft.com/office/powerpoint/2010/main" val="2685665974"/>
+      </p:ext>
+    </p:extLst>
+  </p:cSld>
+  <p:clrMapOvr>
+    <a:masterClrMapping/>
+  </p:clrMapOvr>
+</p:sld>
+</file>
+
+<file path=ppt/slides/slide15.xml><?xml version="1.0" encoding="utf-8"?>
+<p:sld xmlns:a="http://schemas.openxmlformats.org/drawingml/2006/main" xmlns:r="http://schemas.openxmlformats.org/officeDocument/2006/relationships" xmlns:p="http://schemas.openxmlformats.org/presentationml/2006/main">
+  <p:cSld>
+    <p:bg>
+      <p:bgPr>
+        <a:solidFill>
+          <a:schemeClr val="bg1"/>
+        </a:solidFill>
+        <a:effectLst/>
+      </p:bgPr>
+    </p:bg>
+    <p:spTree>
+      <p:nvGrpSpPr>
+        <p:cNvPr id="1" name="">
+          <a:extLst>
+            <a:ext uri="{FF2B5EF4-FFF2-40B4-BE49-F238E27FC236}">
               <a16:creationId xmlns:a16="http://schemas.microsoft.com/office/drawing/2014/main" id="{06D3CAB6-AD06-936B-A268-20CBAF8F62D8}"/>
             </a:ext>
           </a:extLst>
@@ -4859,15 +5603,7 @@
             </a:pPr>
             <a:r>
               <a:rPr lang="fr-CH" sz="1600" dirty="0"/>
-              <a:t>À propos : banner, </a:t>
-            </a:r>
-            <a:r>
-              <a:rPr lang="fr-CH" sz="1600" dirty="0" err="1"/>
-              <a:t>collapsible</a:t>
-            </a:r>
-            <a:r>
-              <a:rPr lang="fr-CH" sz="1600" dirty="0"/>
-              <a:t>.</a:t>
+              <a:t>À propos : banner, collapsible.</a:t>
             </a:r>
           </a:p>
           <a:p>
@@ -4893,15 +5629,7 @@
             </a:r>
             <a:r>
               <a:rPr lang="fr-CH" sz="1600" i="0" dirty="0"/>
-              <a:t>, host, tag, rate et </a:t>
-            </a:r>
-            <a:r>
-              <a:rPr lang="fr-CH" sz="1600" i="0" dirty="0" err="1"/>
-              <a:t>collapsible</a:t>
-            </a:r>
-            <a:r>
-              <a:rPr lang="fr-CH" sz="1600" i="0" dirty="0"/>
-              <a:t>.</a:t>
+              <a:t>, host, tag, rate et collapsible.</a:t>
             </a:r>
             <a:endParaRPr lang="fr-CH" sz="1600" dirty="0"/>
           </a:p>
@@ -4936,6 +5664,670 @@
     <p:extLst>
       <p:ext uri="{BB962C8B-B14F-4D97-AF65-F5344CB8AC3E}">
         <p14:creationId xmlns:p14="http://schemas.microsoft.com/office/powerpoint/2010/main" val="1312433724"/>
+      </p:ext>
+    </p:extLst>
+  </p:cSld>
+  <p:clrMapOvr>
+    <a:masterClrMapping/>
+  </p:clrMapOvr>
+</p:sld>
+</file>
+
+<file path=ppt/slides/slide16.xml><?xml version="1.0" encoding="utf-8"?>
+<p:sld xmlns:a="http://schemas.openxmlformats.org/drawingml/2006/main" xmlns:r="http://schemas.openxmlformats.org/officeDocument/2006/relationships" xmlns:p="http://schemas.openxmlformats.org/presentationml/2006/main">
+  <p:cSld>
+    <p:bg>
+      <p:bgPr>
+        <a:solidFill>
+          <a:schemeClr val="bg1"/>
+        </a:solidFill>
+        <a:effectLst/>
+      </p:bgPr>
+    </p:bg>
+    <p:spTree>
+      <p:nvGrpSpPr>
+        <p:cNvPr id="1" name="">
+          <a:extLst>
+            <a:ext uri="{FF2B5EF4-FFF2-40B4-BE49-F238E27FC236}">
+              <a16:creationId xmlns:a16="http://schemas.microsoft.com/office/drawing/2014/main" id="{11A84E53-9C67-84F3-36BC-31EFA7DF4468}"/>
+            </a:ext>
+          </a:extLst>
+        </p:cNvPr>
+        <p:cNvGrpSpPr/>
+        <p:nvPr/>
+      </p:nvGrpSpPr>
+      <p:grpSpPr>
+        <a:xfrm>
+          <a:off x="0" y="0"/>
+          <a:ext cx="0" cy="0"/>
+          <a:chOff x="0" y="0"/>
+          <a:chExt cx="0" cy="0"/>
+        </a:xfrm>
+      </p:grpSpPr>
+      <p:sp>
+        <p:nvSpPr>
+          <p:cNvPr id="2" name="Titre 1">
+            <a:extLst>
+              <a:ext uri="{FF2B5EF4-FFF2-40B4-BE49-F238E27FC236}">
+                <a16:creationId xmlns:a16="http://schemas.microsoft.com/office/drawing/2014/main" id="{252A6EB2-53FC-A04B-2322-3E2E49180E58}"/>
+              </a:ext>
+            </a:extLst>
+          </p:cNvPr>
+          <p:cNvSpPr>
+            <a:spLocks noGrp="1"/>
+          </p:cNvSpPr>
+          <p:nvPr>
+            <p:ph type="title"/>
+          </p:nvPr>
+        </p:nvSpPr>
+        <p:spPr>
+          <a:xfrm>
+            <a:off x="1285240" y="650489"/>
+            <a:ext cx="10261587" cy="1618489"/>
+          </a:xfrm>
+        </p:spPr>
+        <p:txBody>
+          <a:bodyPr anchor="ctr">
+            <a:normAutofit/>
+          </a:bodyPr>
+          <a:lstStyle/>
+          <a:p>
+            <a:r>
+              <a:rPr lang="fr-FR" sz="4800" u="sng" dirty="0">
+                <a:solidFill>
+                  <a:srgbClr val="FF6060"/>
+                </a:solidFill>
+              </a:rPr>
+              <a:t>III. Présentation de mon code</a:t>
+            </a:r>
+          </a:p>
+        </p:txBody>
+      </p:sp>
+      <p:pic>
+        <p:nvPicPr>
+          <p:cNvPr id="3" name="Image 2">
+            <a:extLst>
+              <a:ext uri="{FF2B5EF4-FFF2-40B4-BE49-F238E27FC236}">
+                <a16:creationId xmlns:a16="http://schemas.microsoft.com/office/drawing/2014/main" id="{C8CFAB51-9AB1-FBD5-EB0F-38F2A2F0105F}"/>
+              </a:ext>
+            </a:extLst>
+          </p:cNvPr>
+          <p:cNvPicPr>
+            <a:picLocks noChangeAspect="1"/>
+          </p:cNvPicPr>
+          <p:nvPr/>
+        </p:nvPicPr>
+        <p:blipFill>
+          <a:blip r:embed="rId2"/>
+          <a:srcRect/>
+          <a:stretch/>
+        </p:blipFill>
+        <p:spPr>
+          <a:xfrm>
+            <a:off x="10125486" y="45927"/>
+            <a:ext cx="2066514" cy="802087"/>
+          </a:xfrm>
+          <a:prstGeom prst="rect">
+            <a:avLst/>
+          </a:prstGeom>
+        </p:spPr>
+      </p:pic>
+      <p:sp>
+        <p:nvSpPr>
+          <p:cNvPr id="7" name="Espace réservé du contenu 2">
+            <a:extLst>
+              <a:ext uri="{FF2B5EF4-FFF2-40B4-BE49-F238E27FC236}">
+                <a16:creationId xmlns:a16="http://schemas.microsoft.com/office/drawing/2014/main" id="{AB1A8DD9-B739-49B0-ABED-C8693261BACB}"/>
+              </a:ext>
+            </a:extLst>
+          </p:cNvPr>
+          <p:cNvSpPr>
+            <a:spLocks noGrp="1"/>
+          </p:cNvSpPr>
+          <p:nvPr>
+            <p:ph idx="1"/>
+          </p:nvPr>
+        </p:nvSpPr>
+        <p:spPr>
+          <a:xfrm>
+            <a:off x="1371600" y="2285999"/>
+            <a:ext cx="9601200" cy="4526073"/>
+          </a:xfrm>
+        </p:spPr>
+        <p:txBody>
+          <a:bodyPr>
+            <a:normAutofit/>
+          </a:bodyPr>
+          <a:lstStyle/>
+          <a:p>
+            <a:r>
+              <a:rPr lang="fr-CH" sz="2200" dirty="0"/>
+              <a:t>Les composants : </a:t>
+            </a:r>
+          </a:p>
+          <a:p>
+            <a:pPr lvl="1"/>
+            <a:r>
+              <a:rPr lang="fr-CH" sz="1800" i="0" dirty="0"/>
+              <a:t>Banner :</a:t>
+            </a:r>
+          </a:p>
+          <a:p>
+            <a:pPr lvl="2">
+              <a:buFont typeface="Arial" panose="020B0604020202020204" pitchFamily="34" charset="0"/>
+              <a:buChar char="•"/>
+            </a:pPr>
+            <a:r>
+              <a:rPr lang="fr-CH" sz="1400" dirty="0"/>
+              <a:t>Pour qu’il soit réutilisable, nous avons mis le titre et l’image en paramètre. Chaque page souhaitant utiliser ce composant pour choisir son propre titre et sa propre image.</a:t>
+            </a:r>
+          </a:p>
+          <a:p>
+            <a:pPr lvl="2">
+              <a:buFont typeface="Arial" panose="020B0604020202020204" pitchFamily="34" charset="0"/>
+              <a:buChar char="•"/>
+            </a:pPr>
+            <a:endParaRPr lang="fr-CH" sz="1400" dirty="0"/>
+          </a:p>
+          <a:p>
+            <a:pPr lvl="1"/>
+            <a:r>
+              <a:rPr lang="fr-CH" sz="1800" i="0" dirty="0"/>
+              <a:t>Collapsible : </a:t>
+            </a:r>
+          </a:p>
+          <a:p>
+            <a:pPr lvl="2">
+              <a:buFont typeface="Arial" panose="020B0604020202020204" pitchFamily="34" charset="0"/>
+              <a:buChar char="•"/>
+            </a:pPr>
+            <a:r>
+              <a:rPr lang="fr-CH" sz="1400" dirty="0" err="1"/>
+              <a:t>useState</a:t>
+            </a:r>
+            <a:r>
+              <a:rPr lang="fr-CH" sz="1400" dirty="0"/>
+              <a:t> pour voir si c’est ouvert ou non. Initialisé à false, cela signifie que le contenu du collapsible est fermé. </a:t>
+            </a:r>
+          </a:p>
+          <a:p>
+            <a:pPr lvl="2">
+              <a:buFont typeface="Arial" panose="020B0604020202020204" pitchFamily="34" charset="0"/>
+              <a:buChar char="•"/>
+            </a:pPr>
+            <a:r>
+              <a:rPr lang="fr-CH" sz="1400" dirty="0"/>
+              <a:t>La fonction </a:t>
+            </a:r>
+            <a:r>
+              <a:rPr lang="fr-CH" sz="1400" dirty="0" err="1"/>
+              <a:t>toggle</a:t>
+            </a:r>
+            <a:r>
+              <a:rPr lang="fr-CH" sz="1400" dirty="0"/>
+              <a:t> permet de modifier la valeur de </a:t>
+            </a:r>
+            <a:r>
+              <a:rPr lang="fr-CH" sz="1400" dirty="0" err="1"/>
+              <a:t>isOpen</a:t>
+            </a:r>
+            <a:r>
+              <a:rPr lang="fr-CH" sz="1400" dirty="0"/>
+              <a:t> à true lors d’un clique et de la repasser en False avec un deuxième clique</a:t>
+            </a:r>
+          </a:p>
+          <a:p>
+            <a:pPr lvl="2">
+              <a:buFont typeface="Arial" panose="020B0604020202020204" pitchFamily="34" charset="0"/>
+              <a:buChar char="•"/>
+            </a:pPr>
+            <a:r>
+              <a:rPr lang="fr-CH" sz="1400" dirty="0"/>
+              <a:t>Lorsque </a:t>
+            </a:r>
+            <a:r>
+              <a:rPr lang="fr-CH" sz="1400" dirty="0" err="1"/>
+              <a:t>isOpen</a:t>
+            </a:r>
+            <a:r>
+              <a:rPr lang="fr-CH" sz="1400" dirty="0"/>
+              <a:t> est true, on déclenche l’animation de la flèche et on affiche le contenu texte .</a:t>
+            </a:r>
+            <a:endParaRPr lang="fr-CH" sz="1800" i="0" dirty="0"/>
+          </a:p>
+          <a:p>
+            <a:pPr marL="530352" lvl="1" indent="0">
+              <a:buNone/>
+            </a:pPr>
+            <a:endParaRPr lang="fr-CH" sz="1600" i="0" dirty="0"/>
+          </a:p>
+          <a:p>
+            <a:pPr lvl="2">
+              <a:buFont typeface="Arial" panose="020B0604020202020204" pitchFamily="34" charset="0"/>
+              <a:buChar char="•"/>
+            </a:pPr>
+            <a:endParaRPr lang="fr-CH" sz="1600" dirty="0"/>
+          </a:p>
+        </p:txBody>
+      </p:sp>
+    </p:spTree>
+    <p:extLst>
+      <p:ext uri="{BB962C8B-B14F-4D97-AF65-F5344CB8AC3E}">
+        <p14:creationId xmlns:p14="http://schemas.microsoft.com/office/powerpoint/2010/main" val="1183111552"/>
+      </p:ext>
+    </p:extLst>
+  </p:cSld>
+  <p:clrMapOvr>
+    <a:masterClrMapping/>
+  </p:clrMapOvr>
+</p:sld>
+</file>
+
+<file path=ppt/slides/slide17.xml><?xml version="1.0" encoding="utf-8"?>
+<p:sld xmlns:a="http://schemas.openxmlformats.org/drawingml/2006/main" xmlns:r="http://schemas.openxmlformats.org/officeDocument/2006/relationships" xmlns:p="http://schemas.openxmlformats.org/presentationml/2006/main">
+  <p:cSld>
+    <p:bg>
+      <p:bgPr>
+        <a:solidFill>
+          <a:schemeClr val="bg1"/>
+        </a:solidFill>
+        <a:effectLst/>
+      </p:bgPr>
+    </p:bg>
+    <p:spTree>
+      <p:nvGrpSpPr>
+        <p:cNvPr id="1" name="">
+          <a:extLst>
+            <a:ext uri="{FF2B5EF4-FFF2-40B4-BE49-F238E27FC236}">
+              <a16:creationId xmlns:a16="http://schemas.microsoft.com/office/drawing/2014/main" id="{48A17685-2F58-8058-EAB9-F94DD0F1B061}"/>
+            </a:ext>
+          </a:extLst>
+        </p:cNvPr>
+        <p:cNvGrpSpPr/>
+        <p:nvPr/>
+      </p:nvGrpSpPr>
+      <p:grpSpPr>
+        <a:xfrm>
+          <a:off x="0" y="0"/>
+          <a:ext cx="0" cy="0"/>
+          <a:chOff x="0" y="0"/>
+          <a:chExt cx="0" cy="0"/>
+        </a:xfrm>
+      </p:grpSpPr>
+      <p:sp>
+        <p:nvSpPr>
+          <p:cNvPr id="2" name="Titre 1">
+            <a:extLst>
+              <a:ext uri="{FF2B5EF4-FFF2-40B4-BE49-F238E27FC236}">
+                <a16:creationId xmlns:a16="http://schemas.microsoft.com/office/drawing/2014/main" id="{A17D8A87-B2B2-5E38-27D7-89452EE15872}"/>
+              </a:ext>
+            </a:extLst>
+          </p:cNvPr>
+          <p:cNvSpPr>
+            <a:spLocks noGrp="1"/>
+          </p:cNvSpPr>
+          <p:nvPr>
+            <p:ph type="title"/>
+          </p:nvPr>
+        </p:nvSpPr>
+        <p:spPr>
+          <a:xfrm>
+            <a:off x="1285240" y="650489"/>
+            <a:ext cx="10261587" cy="1618489"/>
+          </a:xfrm>
+        </p:spPr>
+        <p:txBody>
+          <a:bodyPr anchor="ctr">
+            <a:normAutofit/>
+          </a:bodyPr>
+          <a:lstStyle/>
+          <a:p>
+            <a:r>
+              <a:rPr lang="fr-FR" sz="4800" u="sng" dirty="0">
+                <a:solidFill>
+                  <a:srgbClr val="FF6060"/>
+                </a:solidFill>
+              </a:rPr>
+              <a:t>III. Présentation de mon code</a:t>
+            </a:r>
+          </a:p>
+        </p:txBody>
+      </p:sp>
+      <p:pic>
+        <p:nvPicPr>
+          <p:cNvPr id="3" name="Image 2">
+            <a:extLst>
+              <a:ext uri="{FF2B5EF4-FFF2-40B4-BE49-F238E27FC236}">
+                <a16:creationId xmlns:a16="http://schemas.microsoft.com/office/drawing/2014/main" id="{31C393EB-2B48-5488-A006-75609C7BC640}"/>
+              </a:ext>
+            </a:extLst>
+          </p:cNvPr>
+          <p:cNvPicPr>
+            <a:picLocks noChangeAspect="1"/>
+          </p:cNvPicPr>
+          <p:nvPr/>
+        </p:nvPicPr>
+        <p:blipFill>
+          <a:blip r:embed="rId2"/>
+          <a:srcRect/>
+          <a:stretch/>
+        </p:blipFill>
+        <p:spPr>
+          <a:xfrm>
+            <a:off x="10125486" y="45927"/>
+            <a:ext cx="2066514" cy="802087"/>
+          </a:xfrm>
+          <a:prstGeom prst="rect">
+            <a:avLst/>
+          </a:prstGeom>
+        </p:spPr>
+      </p:pic>
+      <p:sp>
+        <p:nvSpPr>
+          <p:cNvPr id="7" name="Espace réservé du contenu 2">
+            <a:extLst>
+              <a:ext uri="{FF2B5EF4-FFF2-40B4-BE49-F238E27FC236}">
+                <a16:creationId xmlns:a16="http://schemas.microsoft.com/office/drawing/2014/main" id="{5CF81B8C-5347-2493-9F1E-60DC778D3B5A}"/>
+              </a:ext>
+            </a:extLst>
+          </p:cNvPr>
+          <p:cNvSpPr>
+            <a:spLocks noGrp="1"/>
+          </p:cNvSpPr>
+          <p:nvPr>
+            <p:ph idx="1"/>
+          </p:nvPr>
+        </p:nvSpPr>
+        <p:spPr>
+          <a:xfrm>
+            <a:off x="1371600" y="2285999"/>
+            <a:ext cx="9601200" cy="4526073"/>
+          </a:xfrm>
+        </p:spPr>
+        <p:txBody>
+          <a:bodyPr>
+            <a:normAutofit/>
+          </a:bodyPr>
+          <a:lstStyle/>
+          <a:p>
+            <a:r>
+              <a:rPr lang="fr-CH" sz="2200" dirty="0"/>
+              <a:t>Les composants : </a:t>
+            </a:r>
+          </a:p>
+          <a:p>
+            <a:pPr lvl="1"/>
+            <a:r>
+              <a:rPr lang="fr-CH" sz="1800" i="0" dirty="0" err="1"/>
+              <a:t>Carousel</a:t>
+            </a:r>
+            <a:r>
+              <a:rPr lang="fr-CH" sz="1800" i="0" dirty="0"/>
+              <a:t> : </a:t>
+            </a:r>
+          </a:p>
+          <a:p>
+            <a:pPr lvl="2">
+              <a:buFont typeface="Arial" panose="020B0604020202020204" pitchFamily="34" charset="0"/>
+              <a:buChar char="•"/>
+            </a:pPr>
+            <a:r>
+              <a:rPr lang="fr-CH" sz="1400" dirty="0"/>
+              <a:t>UseState pour stocker l’indice du de l’image actuellement affiché </a:t>
+            </a:r>
+          </a:p>
+          <a:p>
+            <a:pPr lvl="2">
+              <a:buFont typeface="Arial" panose="020B0604020202020204" pitchFamily="34" charset="0"/>
+              <a:buChar char="•"/>
+            </a:pPr>
+            <a:r>
+              <a:rPr lang="fr-CH" sz="1400" i="0" dirty="0" err="1"/>
+              <a:t>Const</a:t>
+            </a:r>
+            <a:r>
+              <a:rPr lang="fr-CH" sz="1400" i="0" dirty="0"/>
+              <a:t> </a:t>
+            </a:r>
+            <a:r>
+              <a:rPr lang="fr-CH" sz="1400" i="0" dirty="0" err="1"/>
+              <a:t>Length</a:t>
+            </a:r>
+            <a:r>
+              <a:rPr lang="fr-CH" sz="1400" i="0" dirty="0"/>
+              <a:t> : nombre de photos qui sera présent dans le carrousel. </a:t>
+            </a:r>
+          </a:p>
+          <a:p>
+            <a:pPr lvl="2">
+              <a:buFont typeface="Arial" panose="020B0604020202020204" pitchFamily="34" charset="0"/>
+              <a:buChar char="•"/>
+            </a:pPr>
+            <a:r>
+              <a:rPr lang="fr-CH" sz="1400" dirty="0" err="1"/>
+              <a:t>Const</a:t>
+            </a:r>
+            <a:r>
+              <a:rPr lang="fr-CH" sz="1400" dirty="0"/>
+              <a:t> </a:t>
+            </a:r>
+            <a:r>
+              <a:rPr lang="fr-CH" sz="1400" dirty="0" err="1"/>
+              <a:t>slideDir</a:t>
+            </a:r>
+            <a:r>
+              <a:rPr lang="fr-CH" sz="1400" dirty="0"/>
+              <a:t> : soit </a:t>
+            </a:r>
+            <a:r>
+              <a:rPr lang="fr-CH" sz="1400" dirty="0" err="1"/>
+              <a:t>next</a:t>
+            </a:r>
+            <a:r>
+              <a:rPr lang="fr-CH" sz="1400" dirty="0"/>
+              <a:t> donc on rajoute +1 a </a:t>
+            </a:r>
+            <a:r>
+              <a:rPr lang="fr-CH" sz="1400" dirty="0" err="1"/>
+              <a:t>setCurrent</a:t>
+            </a:r>
+            <a:r>
+              <a:rPr lang="fr-CH" sz="1400" dirty="0"/>
+              <a:t> soit </a:t>
+            </a:r>
+            <a:r>
+              <a:rPr lang="fr-CH" sz="1400" dirty="0" err="1"/>
+              <a:t>previous</a:t>
+            </a:r>
+            <a:r>
+              <a:rPr lang="fr-CH" sz="1400" dirty="0"/>
+              <a:t> ou on retire -1 a </a:t>
+            </a:r>
+            <a:r>
+              <a:rPr lang="fr-CH" sz="1400" dirty="0" err="1"/>
+              <a:t>setCurrent</a:t>
+            </a:r>
+            <a:r>
+              <a:rPr lang="fr-CH" sz="1400" dirty="0"/>
+              <a:t> et % </a:t>
+            </a:r>
+            <a:r>
+              <a:rPr lang="fr-CH" sz="1400" dirty="0" err="1"/>
+              <a:t>length</a:t>
+            </a:r>
+            <a:r>
+              <a:rPr lang="fr-CH" sz="1400" dirty="0"/>
+              <a:t> permet de revenir directement à la 1ere slide lorsque l’on arrive à la dernière image. </a:t>
+            </a:r>
+          </a:p>
+          <a:p>
+            <a:pPr lvl="2">
+              <a:buFont typeface="Arial" panose="020B0604020202020204" pitchFamily="34" charset="0"/>
+              <a:buChar char="•"/>
+            </a:pPr>
+            <a:r>
+              <a:rPr lang="fr-CH" sz="1400" dirty="0"/>
+              <a:t>Si </a:t>
+            </a:r>
+            <a:r>
+              <a:rPr lang="fr-CH" sz="1400" dirty="0" err="1"/>
+              <a:t>length</a:t>
+            </a:r>
+            <a:r>
+              <a:rPr lang="fr-CH" sz="1400" dirty="0"/>
+              <a:t> &gt; 1 on fait apparaître les deux flèches</a:t>
+            </a:r>
+          </a:p>
+          <a:p>
+            <a:pPr lvl="2">
+              <a:buFont typeface="Arial" panose="020B0604020202020204" pitchFamily="34" charset="0"/>
+              <a:buChar char="•"/>
+            </a:pPr>
+            <a:r>
+              <a:rPr lang="fr-CH" sz="1400" dirty="0"/>
+              <a:t>Méthode </a:t>
+            </a:r>
+            <a:r>
+              <a:rPr lang="fr-CH" sz="1400" dirty="0" err="1"/>
+              <a:t>Map</a:t>
+            </a:r>
+            <a:r>
+              <a:rPr lang="fr-CH" sz="1400" dirty="0"/>
+              <a:t> pour display les images une par une + affichage du numéro de la slide.</a:t>
+            </a:r>
+            <a:endParaRPr lang="fr-CH" sz="1400" i="0" dirty="0"/>
+          </a:p>
+          <a:p>
+            <a:pPr lvl="2">
+              <a:buFont typeface="Arial" panose="020B0604020202020204" pitchFamily="34" charset="0"/>
+              <a:buChar char="•"/>
+            </a:pPr>
+            <a:endParaRPr lang="fr-CH" sz="1600" dirty="0"/>
+          </a:p>
+        </p:txBody>
+      </p:sp>
+    </p:spTree>
+    <p:extLst>
+      <p:ext uri="{BB962C8B-B14F-4D97-AF65-F5344CB8AC3E}">
+        <p14:creationId xmlns:p14="http://schemas.microsoft.com/office/powerpoint/2010/main" val="611933581"/>
+      </p:ext>
+    </p:extLst>
+  </p:cSld>
+  <p:clrMapOvr>
+    <a:masterClrMapping/>
+  </p:clrMapOvr>
+</p:sld>
+</file>
+
+<file path=ppt/slides/slide18.xml><?xml version="1.0" encoding="utf-8"?>
+<p:sld xmlns:a="http://schemas.openxmlformats.org/drawingml/2006/main" xmlns:r="http://schemas.openxmlformats.org/officeDocument/2006/relationships" xmlns:p="http://schemas.openxmlformats.org/presentationml/2006/main">
+  <p:cSld>
+    <p:bg>
+      <p:bgPr>
+        <a:solidFill>
+          <a:schemeClr val="bg1"/>
+        </a:solidFill>
+        <a:effectLst/>
+      </p:bgPr>
+    </p:bg>
+    <p:spTree>
+      <p:nvGrpSpPr>
+        <p:cNvPr id="1" name="">
+          <a:extLst>
+            <a:ext uri="{FF2B5EF4-FFF2-40B4-BE49-F238E27FC236}">
+              <a16:creationId xmlns:a16="http://schemas.microsoft.com/office/drawing/2014/main" id="{1BB0169F-F3A4-39C3-7474-D394844CC9BB}"/>
+            </a:ext>
+          </a:extLst>
+        </p:cNvPr>
+        <p:cNvGrpSpPr/>
+        <p:nvPr/>
+      </p:nvGrpSpPr>
+      <p:grpSpPr>
+        <a:xfrm>
+          <a:off x="0" y="0"/>
+          <a:ext cx="0" cy="0"/>
+          <a:chOff x="0" y="0"/>
+          <a:chExt cx="0" cy="0"/>
+        </a:xfrm>
+      </p:grpSpPr>
+      <p:pic>
+        <p:nvPicPr>
+          <p:cNvPr id="3" name="Image 2">
+            <a:extLst>
+              <a:ext uri="{FF2B5EF4-FFF2-40B4-BE49-F238E27FC236}">
+                <a16:creationId xmlns:a16="http://schemas.microsoft.com/office/drawing/2014/main" id="{D96FFF6F-5D80-5F60-0B85-46F90F8D7DE0}"/>
+              </a:ext>
+            </a:extLst>
+          </p:cNvPr>
+          <p:cNvPicPr>
+            <a:picLocks noChangeAspect="1"/>
+          </p:cNvPicPr>
+          <p:nvPr/>
+        </p:nvPicPr>
+        <p:blipFill>
+          <a:blip r:embed="rId2"/>
+          <a:srcRect/>
+          <a:stretch/>
+        </p:blipFill>
+        <p:spPr>
+          <a:xfrm>
+            <a:off x="10125486" y="45927"/>
+            <a:ext cx="2066514" cy="802087"/>
+          </a:xfrm>
+          <a:prstGeom prst="rect">
+            <a:avLst/>
+          </a:prstGeom>
+        </p:spPr>
+      </p:pic>
+      <p:sp>
+        <p:nvSpPr>
+          <p:cNvPr id="7" name="Espace réservé du contenu 2">
+            <a:extLst>
+              <a:ext uri="{FF2B5EF4-FFF2-40B4-BE49-F238E27FC236}">
+                <a16:creationId xmlns:a16="http://schemas.microsoft.com/office/drawing/2014/main" id="{82CACAD2-23CA-7259-F9DF-E5A1339A9290}"/>
+              </a:ext>
+            </a:extLst>
+          </p:cNvPr>
+          <p:cNvSpPr>
+            <a:spLocks noGrp="1"/>
+          </p:cNvSpPr>
+          <p:nvPr>
+            <p:ph idx="1"/>
+          </p:nvPr>
+        </p:nvSpPr>
+        <p:spPr>
+          <a:xfrm>
+            <a:off x="1371600" y="2285999"/>
+            <a:ext cx="9601200" cy="4526073"/>
+          </a:xfrm>
+        </p:spPr>
+        <p:txBody>
+          <a:bodyPr anchor="ctr">
+            <a:normAutofit/>
+          </a:bodyPr>
+          <a:lstStyle/>
+          <a:p>
+            <a:pPr marL="987552" lvl="2" indent="0" algn="ctr">
+              <a:buNone/>
+            </a:pPr>
+            <a:r>
+              <a:rPr lang="fr-CH" sz="4000" dirty="0"/>
+              <a:t>MERCI </a:t>
+            </a:r>
+            <a:r>
+              <a:rPr lang="fr-CH" sz="4000" dirty="0">
+                <a:sym typeface="Wingdings" pitchFamily="2" charset="2"/>
+              </a:rPr>
+              <a:t></a:t>
+            </a:r>
+            <a:endParaRPr lang="fr-CH" sz="4000" dirty="0"/>
+          </a:p>
+        </p:txBody>
+      </p:sp>
+    </p:spTree>
+    <p:extLst>
+      <p:ext uri="{BB962C8B-B14F-4D97-AF65-F5344CB8AC3E}">
+        <p14:creationId xmlns:p14="http://schemas.microsoft.com/office/powerpoint/2010/main" val="3104872535"/>
       </p:ext>
     </p:extLst>
   </p:cSld>
@@ -5053,14 +6445,14 @@
           <a:p>
             <a:r>
               <a:rPr lang="fr-CH" sz="1800" dirty="0"/>
-              <a:t>En suivant les maquettes Figma Créer un projet sur React :</a:t>
+              <a:t>En suivant les maquettes Figma,  je dois créer un projet web en utilisant React :</a:t>
             </a:r>
           </a:p>
           <a:p>
             <a:pPr lvl="1"/>
             <a:r>
               <a:rPr lang="fr-CH" sz="1800" i="0" dirty="0"/>
-              <a:t>L’ensemble de l’application (et en version responsive)</a:t>
+              <a:t>L’ensemble de l’application (avec une version responsive)</a:t>
             </a:r>
           </a:p>
           <a:p>

--- a/Soutenance/PrésentationP8.pptx
+++ b/Soutenance/PrésentationP8.pptx
@@ -214,7 +214,7 @@
           <a:p>
             <a:fld id="{0D49AA7D-7591-FC4C-BD95-420ECF8DA599}" type="datetimeFigureOut">
               <a:rPr lang="fr-FR" smtClean="0"/>
-              <a:t>12/09/2024</a:t>
+              <a:t>16/09/2024</a:t>
             </a:fld>
             <a:endParaRPr lang="fr-FR"/>
           </a:p>
@@ -481,6 +481,90 @@
 </p:notesMaster>
 </file>
 
+<file path=ppt/notesSlides/notesSlide1.xml><?xml version="1.0" encoding="utf-8"?>
+<p:notes xmlns:a="http://schemas.openxmlformats.org/drawingml/2006/main" xmlns:r="http://schemas.openxmlformats.org/officeDocument/2006/relationships" xmlns:p="http://schemas.openxmlformats.org/presentationml/2006/main">
+  <p:cSld>
+    <p:spTree>
+      <p:nvGrpSpPr>
+        <p:cNvPr id="1" name=""/>
+        <p:cNvGrpSpPr/>
+        <p:nvPr/>
+      </p:nvGrpSpPr>
+      <p:grpSpPr>
+        <a:xfrm>
+          <a:off x="0" y="0"/>
+          <a:ext cx="0" cy="0"/>
+          <a:chOff x="0" y="0"/>
+          <a:chExt cx="0" cy="0"/>
+        </a:xfrm>
+      </p:grpSpPr>
+      <p:sp>
+        <p:nvSpPr>
+          <p:cNvPr id="2" name="Espace réservé de l'image des diapositives 1"/>
+          <p:cNvSpPr>
+            <a:spLocks noGrp="1" noRot="1" noChangeAspect="1"/>
+          </p:cNvSpPr>
+          <p:nvPr>
+            <p:ph type="sldImg"/>
+          </p:nvPr>
+        </p:nvSpPr>
+        <p:spPr/>
+      </p:sp>
+      <p:sp>
+        <p:nvSpPr>
+          <p:cNvPr id="3" name="Espace réservé des notes 2"/>
+          <p:cNvSpPr>
+            <a:spLocks noGrp="1"/>
+          </p:cNvSpPr>
+          <p:nvPr>
+            <p:ph type="body" idx="1"/>
+          </p:nvPr>
+        </p:nvSpPr>
+        <p:spPr/>
+        <p:txBody>
+          <a:bodyPr/>
+          <a:lstStyle/>
+          <a:p>
+            <a:endParaRPr lang="fr-FR" dirty="0"/>
+          </a:p>
+        </p:txBody>
+      </p:sp>
+      <p:sp>
+        <p:nvSpPr>
+          <p:cNvPr id="4" name="Espace réservé du numéro de diapositive 3"/>
+          <p:cNvSpPr>
+            <a:spLocks noGrp="1"/>
+          </p:cNvSpPr>
+          <p:nvPr>
+            <p:ph type="sldNum" sz="quarter" idx="5"/>
+          </p:nvPr>
+        </p:nvSpPr>
+        <p:spPr/>
+        <p:txBody>
+          <a:bodyPr/>
+          <a:lstStyle/>
+          <a:p>
+            <a:fld id="{832C84D7-55FE-584B-A916-21522AC8F9A1}" type="slidenum">
+              <a:rPr lang="fr-FR" smtClean="0"/>
+              <a:t>12</a:t>
+            </a:fld>
+            <a:endParaRPr lang="fr-FR"/>
+          </a:p>
+        </p:txBody>
+      </p:sp>
+    </p:spTree>
+    <p:extLst>
+      <p:ext uri="{BB962C8B-B14F-4D97-AF65-F5344CB8AC3E}">
+        <p14:creationId xmlns:p14="http://schemas.microsoft.com/office/powerpoint/2010/main" val="1179654855"/>
+      </p:ext>
+    </p:extLst>
+  </p:cSld>
+  <p:clrMapOvr>
+    <a:masterClrMapping/>
+  </p:clrMapOvr>
+</p:notes>
+</file>
+
 <file path=ppt/slideLayouts/slideLayout1.xml><?xml version="1.0" encoding="utf-8"?>
 <p:sldLayout xmlns:a="http://schemas.openxmlformats.org/drawingml/2006/main" xmlns:r="http://schemas.openxmlformats.org/officeDocument/2006/relationships" xmlns:p="http://schemas.openxmlformats.org/presentationml/2006/main" showMasterSp="0" type="title" preserve="1">
   <p:cSld name="Diapositive de titre">
@@ -650,7 +734,7 @@
           <a:p>
             <a:fld id="{E271F846-9E2B-A943-A667-4C0FED0FE436}" type="datetimeFigureOut">
               <a:rPr lang="fr-FR" smtClean="0"/>
-              <a:t>12/09/2024</a:t>
+              <a:t>16/09/2024</a:t>
             </a:fld>
             <a:endParaRPr lang="fr-FR"/>
           </a:p>
@@ -980,7 +1064,7 @@
           <a:p>
             <a:fld id="{E271F846-9E2B-A943-A667-4C0FED0FE436}" type="datetimeFigureOut">
               <a:rPr lang="fr-FR" smtClean="0"/>
-              <a:t>12/09/2024</a:t>
+              <a:t>16/09/2024</a:t>
             </a:fld>
             <a:endParaRPr lang="fr-FR"/>
           </a:p>
@@ -1160,7 +1244,7 @@
           <a:p>
             <a:fld id="{E271F846-9E2B-A943-A667-4C0FED0FE436}" type="datetimeFigureOut">
               <a:rPr lang="fr-FR" smtClean="0"/>
-              <a:t>12/09/2024</a:t>
+              <a:t>16/09/2024</a:t>
             </a:fld>
             <a:endParaRPr lang="fr-FR"/>
           </a:p>
@@ -1330,7 +1414,7 @@
           <a:p>
             <a:fld id="{E271F846-9E2B-A943-A667-4C0FED0FE436}" type="datetimeFigureOut">
               <a:rPr lang="fr-FR" smtClean="0"/>
-              <a:t>12/09/2024</a:t>
+              <a:t>16/09/2024</a:t>
             </a:fld>
             <a:endParaRPr lang="fr-FR"/>
           </a:p>
@@ -1607,7 +1691,7 @@
           <a:p>
             <a:fld id="{E271F846-9E2B-A943-A667-4C0FED0FE436}" type="datetimeFigureOut">
               <a:rPr lang="fr-FR" smtClean="0"/>
-              <a:t>12/09/2024</a:t>
+              <a:t>16/09/2024</a:t>
             </a:fld>
             <a:endParaRPr lang="fr-FR"/>
           </a:p>
@@ -2001,7 +2085,7 @@
           <a:p>
             <a:fld id="{E271F846-9E2B-A943-A667-4C0FED0FE436}" type="datetimeFigureOut">
               <a:rPr lang="fr-FR" smtClean="0"/>
-              <a:t>12/09/2024</a:t>
+              <a:t>16/09/2024</a:t>
             </a:fld>
             <a:endParaRPr lang="fr-FR"/>
           </a:p>
@@ -2478,7 +2562,7 @@
           <a:p>
             <a:fld id="{E271F846-9E2B-A943-A667-4C0FED0FE436}" type="datetimeFigureOut">
               <a:rPr lang="fr-FR" smtClean="0"/>
-              <a:t>12/09/2024</a:t>
+              <a:t>16/09/2024</a:t>
             </a:fld>
             <a:endParaRPr lang="fr-FR"/>
           </a:p>
@@ -2596,7 +2680,7 @@
           <a:p>
             <a:fld id="{E271F846-9E2B-A943-A667-4C0FED0FE436}" type="datetimeFigureOut">
               <a:rPr lang="fr-FR" smtClean="0"/>
-              <a:t>12/09/2024</a:t>
+              <a:t>16/09/2024</a:t>
             </a:fld>
             <a:endParaRPr lang="fr-FR"/>
           </a:p>
@@ -2691,7 +2775,7 @@
           <a:p>
             <a:fld id="{E271F846-9E2B-A943-A667-4C0FED0FE436}" type="datetimeFigureOut">
               <a:rPr lang="fr-FR" smtClean="0"/>
-              <a:t>12/09/2024</a:t>
+              <a:t>16/09/2024</a:t>
             </a:fld>
             <a:endParaRPr lang="fr-FR"/>
           </a:p>
@@ -3037,7 +3121,7 @@
           <a:p>
             <a:fld id="{E271F846-9E2B-A943-A667-4C0FED0FE436}" type="datetimeFigureOut">
               <a:rPr lang="fr-FR" smtClean="0"/>
-              <a:t>12/09/2024</a:t>
+              <a:t>16/09/2024</a:t>
             </a:fld>
             <a:endParaRPr lang="fr-FR"/>
           </a:p>
@@ -3425,7 +3509,7 @@
           <a:p>
             <a:fld id="{E271F846-9E2B-A943-A667-4C0FED0FE436}" type="datetimeFigureOut">
               <a:rPr lang="fr-FR" smtClean="0"/>
-              <a:t>12/09/2024</a:t>
+              <a:t>16/09/2024</a:t>
             </a:fld>
             <a:endParaRPr lang="fr-FR"/>
           </a:p>
@@ -3703,7 +3787,7 @@
           <a:p>
             <a:fld id="{E271F846-9E2B-A943-A667-4C0FED0FE436}" type="datetimeFigureOut">
               <a:rPr lang="fr-FR" smtClean="0"/>
-              <a:t>12/09/2024</a:t>
+              <a:t>16/09/2024</a:t>
             </a:fld>
             <a:endParaRPr lang="fr-FR"/>
           </a:p>
@@ -4457,7 +4541,7 @@
             <a:pPr lvl="1"/>
             <a:r>
               <a:rPr lang="fr-CH" sz="1800" dirty="0"/>
-              <a:t>Router: on retrouve les chemins qui amènent ou non à une page.  </a:t>
+              <a:t>Router : on retrouve les chemins qui amènent ou non à une page.  </a:t>
             </a:r>
           </a:p>
           <a:p>
@@ -4651,29 +4735,47 @@
             <a:pPr lvl="1"/>
             <a:r>
               <a:rPr lang="fr-CH" sz="1800" i="0" dirty="0"/>
-              <a:t>Une page accueil</a:t>
-            </a:r>
+              <a:t>Une page </a:t>
+            </a:r>
+            <a:r>
+              <a:rPr lang="fr-CH" sz="1800" i="0" dirty="0" err="1"/>
+              <a:t>homepage</a:t>
+            </a:r>
+            <a:endParaRPr lang="fr-CH" sz="1800" i="0" dirty="0"/>
           </a:p>
           <a:p>
             <a:pPr lvl="1"/>
             <a:r>
               <a:rPr lang="fr-CH" sz="1800" i="0" dirty="0"/>
-              <a:t>Une page à propos </a:t>
+              <a:t>Une page about</a:t>
             </a:r>
           </a:p>
           <a:p>
             <a:pPr lvl="1"/>
             <a:r>
               <a:rPr lang="fr-CH" sz="1800" i="0" dirty="0"/>
-              <a:t>Une page logement </a:t>
+              <a:t>Une page </a:t>
+            </a:r>
+            <a:r>
+              <a:rPr lang="fr-CH" sz="1800" i="0" dirty="0" err="1"/>
+              <a:t>housing</a:t>
+            </a:r>
+            <a:r>
+              <a:rPr lang="fr-CH" sz="1800" i="0" dirty="0"/>
+              <a:t> </a:t>
             </a:r>
           </a:p>
           <a:p>
             <a:pPr lvl="1"/>
             <a:r>
               <a:rPr lang="fr-CH" sz="1800" i="0" dirty="0"/>
-              <a:t>Une page erreur</a:t>
-            </a:r>
+              <a:t>Une page </a:t>
+            </a:r>
+            <a:r>
+              <a:rPr lang="fr-CH" sz="1800" i="0" dirty="0" err="1"/>
+              <a:t>error</a:t>
+            </a:r>
+            <a:endParaRPr lang="fr-CH" sz="1800" i="0" dirty="0"/>
           </a:p>
           <a:p>
             <a:pPr lvl="1"/>
@@ -4682,7 +4784,15 @@
           <a:p>
             <a:r>
               <a:rPr lang="fr-CH" dirty="0"/>
-              <a:t>Chaque page possède des composants qui peuvent être réutilisés su différentes pages (comme la bannière de la Homepage et de la page à propos).</a:t>
+              <a:t>Chaque page possède des composants qui peuvent être réutilisés sur différentes pages (exemple: banner pour la </a:t>
+            </a:r>
+            <a:r>
+              <a:rPr lang="fr-CH" dirty="0" err="1"/>
+              <a:t>homepage</a:t>
+            </a:r>
+            <a:r>
+              <a:rPr lang="fr-CH" dirty="0"/>
+              <a:t> et la page about).</a:t>
             </a:r>
             <a:endParaRPr lang="fr-CH" i="0" dirty="0"/>
           </a:p>
@@ -4786,7 +4896,7 @@
           <p:nvPr/>
         </p:nvPicPr>
         <p:blipFill>
-          <a:blip r:embed="rId2"/>
+          <a:blip r:embed="rId3"/>
           <a:srcRect/>
           <a:stretch/>
         </p:blipFill>
@@ -5321,7 +5431,15 @@
             <a:pPr lvl="1"/>
             <a:r>
               <a:rPr lang="fr-CH" sz="1800" i="0" dirty="0"/>
-              <a:t>On va utiliser des Hook UseState qui vont nous permettre de </a:t>
+              <a:t>On va utiliser des Hook UseState qui </a:t>
+            </a:r>
+            <a:r>
+              <a:rPr lang="fr-CH" sz="1800" i="0" dirty="0" err="1"/>
+              <a:t>vonta</a:t>
+            </a:r>
+            <a:r>
+              <a:rPr lang="fr-CH" sz="1800" i="0" dirty="0"/>
+              <a:t> nous </a:t>
             </a:r>
             <a:r>
               <a:rPr lang="fr-CH" sz="1800" b="0" i="0" strike="noStrike" dirty="0">
@@ -5330,7 +5448,7 @@
                 </a:solidFill>
                 <a:effectLst/>
               </a:rPr>
-              <a:t>gérer l'état d'un composant. Cela va nous permettre à des variables de changer de valeurs au cours du temps.</a:t>
+              <a:t>permettre à des variables de changer de valeurs au cours du temps.</a:t>
             </a:r>
             <a:endParaRPr lang="fr-CH" sz="1800" i="0" dirty="0"/>
           </a:p>
@@ -5344,7 +5462,7 @@
           <a:p>
             <a:pPr lvl="2"/>
             <a:r>
-              <a:rPr lang="fr-CH" sz="1600" i="0" dirty="0"/>
+              <a:rPr lang="fr-CH" sz="1600" dirty="0"/>
               <a:t>On met un temps de chargement de 2 secondes</a:t>
             </a:r>
           </a:p>
@@ -5362,20 +5480,12 @@
           <a:p>
             <a:pPr lvl="2"/>
             <a:r>
-              <a:rPr lang="fr-CH" sz="1600" i="0" dirty="0">
-                <a:solidFill>
-                  <a:srgbClr val="000000"/>
-                </a:solidFill>
-              </a:rPr>
-              <a:t>Si </a:t>
-            </a:r>
-            <a:r>
               <a:rPr lang="fr-CH" sz="1600" dirty="0">
                 <a:solidFill>
                   <a:srgbClr val="000000"/>
                 </a:solidFill>
               </a:rPr>
-              <a:t>on ne le trouve pas, on retourne le contenu de la page 404.</a:t>
+              <a:t>Si on ne le trouve pas, on retourne le contenu de la page 404.</a:t>
             </a:r>
             <a:endParaRPr lang="fr-CH" sz="1800" dirty="0">
               <a:solidFill>
@@ -5386,7 +5496,7 @@
           <a:p>
             <a:pPr lvl="1"/>
             <a:r>
-              <a:rPr lang="fr-CH" sz="1800" dirty="0">
+              <a:rPr lang="fr-CH" sz="1800" i="0" dirty="0">
                 <a:solidFill>
                   <a:srgbClr val="000000"/>
                 </a:solidFill>
@@ -5397,7 +5507,7 @@
           <a:p>
             <a:pPr lvl="1"/>
             <a:r>
-              <a:rPr lang="fr-CH" sz="1800" dirty="0">
+              <a:rPr lang="fr-CH" sz="1800" i="0" dirty="0">
                 <a:solidFill>
                   <a:srgbClr val="000000"/>
                 </a:solidFill>
@@ -5408,21 +5518,13 @@
           <a:p>
             <a:pPr lvl="1"/>
             <a:r>
-              <a:rPr lang="fr-CH" sz="1800" dirty="0">
+              <a:rPr lang="fr-CH" sz="1800" i="0" dirty="0">
                 <a:solidFill>
                   <a:srgbClr val="000000"/>
                 </a:solidFill>
               </a:rPr>
               <a:t>On utilise la méthode Map pour les tags et les équipements du logement.</a:t>
             </a:r>
-          </a:p>
-          <a:p>
-            <a:pPr lvl="1"/>
-            <a:endParaRPr lang="fr-CH" sz="1800" dirty="0">
-              <a:solidFill>
-                <a:srgbClr val="000000"/>
-              </a:solidFill>
-            </a:endParaRPr>
           </a:p>
         </p:txBody>
       </p:sp>
@@ -5567,7 +5669,7 @@
           <a:lstStyle/>
           <a:p>
             <a:r>
-              <a:rPr lang="fr-CH" sz="2200" dirty="0"/>
+              <a:rPr lang="fr-CH" dirty="0"/>
               <a:t>Les composants : </a:t>
             </a:r>
           </a:p>
@@ -5801,7 +5903,7 @@
           <a:lstStyle/>
           <a:p>
             <a:r>
-              <a:rPr lang="fr-CH" sz="2200" dirty="0"/>
+              <a:rPr lang="fr-CH" dirty="0"/>
               <a:t>Les composants : </a:t>
             </a:r>
           </a:p>
@@ -6391,7 +6493,7 @@
           <a:lstStyle/>
           <a:p>
             <a:r>
-              <a:rPr lang="fr-FR" sz="6700" dirty="0">
+              <a:rPr lang="fr-FR" sz="6700" u="sng" dirty="0">
                 <a:solidFill>
                   <a:srgbClr val="FF6060"/>
                 </a:solidFill>
@@ -6431,7 +6533,7 @@
           <a:p>
             <a:r>
               <a:rPr lang="fr-CH" sz="1800" dirty="0"/>
-              <a:t>Kasa, référence nationale dans de la location d’appartements entre particuliers en France fait appel à mes services de développeur web frontend.</a:t>
+              <a:t>Kasa, leader dans de la location d’appartements entre particuliers en France fait appel à mes services de développeur web frontend.</a:t>
             </a:r>
           </a:p>
           <a:p>
@@ -6582,7 +6684,7 @@
           <a:lstStyle/>
           <a:p>
             <a:r>
-              <a:rPr lang="fr-FR" sz="7200" dirty="0">
+              <a:rPr lang="fr-FR" sz="7200" u="sng" dirty="0">
                 <a:solidFill>
                   <a:srgbClr val="FF6060"/>
                 </a:solidFill>
